--- a/docs/proposals/prop_slides.pptx
+++ b/docs/proposals/prop_slides.pptx
@@ -5,7 +5,7 @@
     <p:sldMasterId id="2147483648" r:id="rId1"/>
   </p:sldMasterIdLst>
   <p:notesMasterIdLst>
-    <p:notesMasterId r:id="rId23"/>
+    <p:notesMasterId r:id="rId27"/>
   </p:notesMasterIdLst>
   <p:sldIdLst>
     <p:sldId id="256" r:id="rId2"/>
@@ -29,6 +29,10 @@
     <p:sldId id="274" r:id="rId20"/>
     <p:sldId id="275" r:id="rId21"/>
     <p:sldId id="276" r:id="rId22"/>
+    <p:sldId id="277" r:id="rId23"/>
+    <p:sldId id="278" r:id="rId24"/>
+    <p:sldId id="279" r:id="rId25"/>
+    <p:sldId id="280" r:id="rId26"/>
   </p:sldIdLst>
   <p:sldSz cx="9144000" cy="5143500" type="screen16x9"/>
   <p:notesSz cx="6858000" cy="9144000"/>
@@ -594,7 +598,7 @@
           <a:p>
             <a:fld id="{18BDFEC3-8487-43E8-A154-7C12CBC1FFF2}" type="slidenum">
               <a:rPr lang="en-US"/>
-              <a:t>21</a:t>
+              <a:t>25</a:t>
             </a:fld>
             <a:endParaRPr lang="en-US"/>
           </a:p>
@@ -3939,91 +3943,41 @@
             </a:pPr>
             <a:r>
               <a:rPr/>
-              <a:t>Energy AI Tasks</a:t>
-            </a:r>
-          </a:p>
-        </p:txBody>
-      </p:sp>
-      <p:sp>
-        <p:nvSpPr>
-          <p:cNvPr id="3" name="Content Placeholder 2"/>
-          <p:cNvSpPr>
-            <a:spLocks noGrp="1"/>
-          </p:cNvSpPr>
-          <p:nvPr>
-            <p:ph idx="1"/>
-          </p:nvPr>
-        </p:nvSpPr>
-        <p:spPr/>
-        <p:txBody>
-          <a:bodyPr/>
-          <a:lstStyle/>
-          <a:p>
-            <a:pPr lvl="0" indent="0" marL="0">
-              <a:buNone/>
-            </a:pPr>
-          </a:p>
-          <a:p>
-            <a:pPr lvl="0" indent="0" marL="0">
-              <a:spcBef>
-                <a:spcPts val="3000"/>
-              </a:spcBef>
-              <a:buNone/>
-            </a:pPr>
-            <a:r>
-              <a:rPr b="1"/>
-              <a:t>Task from Attari et al. (2010)</a:t>
-            </a:r>
-          </a:p>
-          <a:p>
-            <a:pPr lvl="0"/>
-            <a:r>
-              <a:rPr/>
-              <a:t>Estimate energy of each item</a:t>
-            </a:r>
-          </a:p>
-          <a:p>
-            <a:pPr lvl="0"/>
-            <a:r>
-              <a:rPr/>
-              <a:t>No AI Assistance</a:t>
-            </a:r>
-          </a:p>
-          <a:p>
-            <a:pPr lvl="0" indent="0" marL="0">
-              <a:spcBef>
-                <a:spcPts val="3000"/>
-              </a:spcBef>
-              <a:buNone/>
-            </a:pPr>
-            <a:r>
-              <a:rPr b="1"/>
-              <a:t>Procedure choices</a:t>
-            </a:r>
-          </a:p>
-          <a:p>
-            <a:pPr lvl="0"/>
-            <a:r>
-              <a:rPr/>
-              <a:t>See all items at once, or one at a time</a:t>
-            </a:r>
-          </a:p>
-          <a:p>
-            <a:pPr lvl="0"/>
-            <a:r>
-              <a:rPr/>
-              <a:t>Anchor</a:t>
-            </a:r>
-          </a:p>
-          <a:p>
-            <a:pPr lvl="0"/>
-            <a:r>
-              <a:rPr/>
-              <a:t>Feedback</a:t>
-            </a:r>
-          </a:p>
-        </p:txBody>
-      </p:sp>
+              <a:t>Steyvers Task</a:t>
+            </a:r>
+          </a:p>
+        </p:txBody>
+      </p:sp>
+      <p:pic>
+        <p:nvPicPr>
+          <p:cNvPr descr="image/steyvers25_task.png" id="0" name="Picture 1"/>
+          <p:cNvPicPr>
+            <a:picLocks noGrp="1" noChangeAspect="1"/>
+          </p:cNvPicPr>
+          <p:nvPr/>
+        </p:nvPicPr>
+        <p:blipFill>
+          <a:blip r:embed="rId2"/>
+          <a:stretch>
+            <a:fillRect/>
+          </a:stretch>
+        </p:blipFill>
+        <p:spPr bwMode="auto">
+          <a:xfrm>
+            <a:off x="2425700" y="1193800"/>
+            <a:ext cx="4292600" cy="3390900"/>
+          </a:xfrm>
+          <a:prstGeom prst="rect">
+            <a:avLst/>
+          </a:prstGeom>
+          <a:noFill/>
+          <a:ln w="9525">
+            <a:noFill/>
+            <a:headEnd/>
+            <a:tailEnd/>
+          </a:ln>
+        </p:spPr>
+      </p:pic>
     </p:spTree>
   </p:cSld>
 </p:sld>
@@ -4066,72 +4020,41 @@
             </a:pPr>
             <a:r>
               <a:rPr/>
-              <a:t>Energy AI Tasks</a:t>
-            </a:r>
-          </a:p>
-        </p:txBody>
-      </p:sp>
-      <p:sp>
-        <p:nvSpPr>
-          <p:cNvPr id="3" name="Content Placeholder 2"/>
-          <p:cNvSpPr>
-            <a:spLocks noGrp="1"/>
-          </p:cNvSpPr>
-          <p:nvPr>
-            <p:ph idx="1"/>
-          </p:nvPr>
-        </p:nvSpPr>
-        <p:spPr/>
-        <p:txBody>
-          <a:bodyPr/>
-          <a:lstStyle/>
-          <a:p>
-            <a:pPr lvl="0" indent="0" marL="0">
-              <a:buNone/>
-            </a:pPr>
-          </a:p>
-          <a:p>
-            <a:pPr lvl="0" indent="0" marL="0">
-              <a:spcBef>
-                <a:spcPts val="3000"/>
-              </a:spcBef>
-              <a:buNone/>
-            </a:pPr>
-            <a:r>
-              <a:rPr b="1"/>
-              <a:t>Procedure choices</a:t>
-            </a:r>
-          </a:p>
-          <a:p>
-            <a:pPr lvl="0"/>
-            <a:r>
-              <a:rPr/>
-              <a:t>AI Portrayal</a:t>
-            </a:r>
-          </a:p>
-          <a:p>
-            <a:pPr lvl="1"/>
-            <a:r>
-              <a:rPr/>
-              <a:t>Energy Advisor?</a:t>
-            </a:r>
-          </a:p>
-          <a:p>
-            <a:pPr lvl="1"/>
-            <a:r>
-              <a:rPr/>
-              <a:t>ChatGPT response?</a:t>
-            </a:r>
-          </a:p>
-          <a:p>
-            <a:pPr lvl="1"/>
-            <a:r>
-              <a:rPr/>
-              <a:t>Another human participant?</a:t>
-            </a:r>
-          </a:p>
-        </p:txBody>
-      </p:sp>
+              <a:t>Confidence Calibration</a:t>
+            </a:r>
+          </a:p>
+        </p:txBody>
+      </p:sp>
+      <p:pic>
+        <p:nvPicPr>
+          <p:cNvPr descr="image/meta_sens1.png" id="0" name="Picture 1"/>
+          <p:cNvPicPr>
+            <a:picLocks noGrp="1" noChangeAspect="1"/>
+          </p:cNvPicPr>
+          <p:nvPr/>
+        </p:nvPicPr>
+        <p:blipFill>
+          <a:blip r:embed="rId2"/>
+          <a:stretch>
+            <a:fillRect/>
+          </a:stretch>
+        </p:blipFill>
+        <p:spPr bwMode="auto">
+          <a:xfrm>
+            <a:off x="1447800" y="1193800"/>
+            <a:ext cx="6235700" cy="3390900"/>
+          </a:xfrm>
+          <a:prstGeom prst="rect">
+            <a:avLst/>
+          </a:prstGeom>
+          <a:noFill/>
+          <a:ln w="9525">
+            <a:noFill/>
+            <a:headEnd/>
+            <a:tailEnd/>
+          </a:ln>
+        </p:spPr>
+      </p:pic>
     </p:spTree>
   </p:cSld>
 </p:sld>
@@ -4156,12 +4079,12 @@
       </p:grpSpPr>
       <p:sp>
         <p:nvSpPr>
-          <p:cNvPr id="2" name="Title 1"/>
-          <p:cNvSpPr>
-            <a:spLocks noGrp="1"/>
-          </p:cNvSpPr>
-          <p:nvPr>
-            <p:ph type="title"/>
+          <p:cNvPr id="3" name="Content Placeholder 2"/>
+          <p:cNvSpPr>
+            <a:spLocks noGrp="1"/>
+          </p:cNvSpPr>
+          <p:nvPr>
+            <p:ph idx="1"/>
           </p:nvPr>
         </p:nvSpPr>
         <p:spPr/>
@@ -4174,41 +4097,11 @@
             </a:pPr>
             <a:r>
               <a:rPr/>
-              <a:t>Energy AI Tasks</a:t>
-            </a:r>
-          </a:p>
-        </p:txBody>
-      </p:sp>
-      <p:pic>
-        <p:nvPicPr>
-          <p:cNvPr descr="image/my_fc1.png" id="0" name="Picture 1"/>
-          <p:cNvPicPr>
-            <a:picLocks noGrp="1" noChangeAspect="1"/>
-          </p:cNvPicPr>
-          <p:nvPr/>
-        </p:nvPicPr>
-        <p:blipFill>
-          <a:blip r:embed="rId2"/>
-          <a:stretch>
-            <a:fillRect/>
-          </a:stretch>
-        </p:blipFill>
-        <p:spPr bwMode="auto">
-          <a:xfrm>
-            <a:off x="457200" y="1600200"/>
-            <a:ext cx="8229600" cy="2590800"/>
-          </a:xfrm>
-          <a:prstGeom prst="rect">
-            <a:avLst/>
-          </a:prstGeom>
-          <a:noFill/>
-          <a:ln w="9525">
-            <a:noFill/>
-            <a:headEnd/>
-            <a:tailEnd/>
-          </a:ln>
-        </p:spPr>
-      </p:pic>
+              <a:t>Steyvers &amp; Peters (2025)</a:t>
+            </a:r>
+          </a:p>
+        </p:txBody>
+      </p:sp>
     </p:spTree>
   </p:cSld>
 </p:sld>
@@ -4251,41 +4144,48 @@
             </a:pPr>
             <a:r>
               <a:rPr/>
-              <a:t>Energy AI Task LLM Explanations</a:t>
-            </a:r>
-          </a:p>
-        </p:txBody>
-      </p:sp>
-      <p:pic>
-        <p:nvPicPr>
-          <p:cNvPr descr="image/med_conf_ex.png" id="0" name="Picture 1"/>
-          <p:cNvPicPr>
-            <a:picLocks noGrp="1" noChangeAspect="1"/>
-          </p:cNvPicPr>
-          <p:nvPr/>
-        </p:nvPicPr>
-        <p:blipFill>
-          <a:blip r:embed="rId2"/>
-          <a:stretch>
-            <a:fillRect/>
-          </a:stretch>
-        </p:blipFill>
-        <p:spPr bwMode="auto">
-          <a:xfrm>
-            <a:off x="622300" y="1193800"/>
-            <a:ext cx="7886700" cy="3390900"/>
-          </a:xfrm>
-          <a:prstGeom prst="rect">
-            <a:avLst/>
-          </a:prstGeom>
-          <a:noFill/>
-          <a:ln w="9525">
-            <a:noFill/>
-            <a:headEnd/>
-            <a:tailEnd/>
-          </a:ln>
-        </p:spPr>
-      </p:pic>
+              <a:t>Communicating Uncertainty</a:t>
+            </a:r>
+          </a:p>
+        </p:txBody>
+      </p:sp>
+      <p:sp>
+        <p:nvSpPr>
+          <p:cNvPr id="3" name="Content Placeholder 2"/>
+          <p:cNvSpPr>
+            <a:spLocks noGrp="1"/>
+          </p:cNvSpPr>
+          <p:nvPr>
+            <p:ph idx="1"/>
+          </p:nvPr>
+        </p:nvSpPr>
+        <p:spPr/>
+        <p:txBody>
+          <a:bodyPr/>
+          <a:lstStyle/>
+          <a:p>
+            <a:pPr lvl="0" indent="0" marL="0">
+              <a:buNone/>
+            </a:pPr>
+            <a:r>
+              <a:rPr/>
+              <a:t> </a:t>
+            </a:r>
+          </a:p>
+          <a:p>
+            <a:pPr lvl="0"/>
+            <a:r>
+              <a:rPr/>
+              <a:t>LLM’s also shown to map uncertainty terms to numeric probabilities in similar fashion to humans (Belem et al., 2024)</a:t>
+            </a:r>
+          </a:p>
+          <a:p>
+            <a:pPr lvl="0" indent="0" marL="0">
+              <a:buNone/>
+            </a:pPr>
+          </a:p>
+        </p:txBody>
+      </p:sp>
     </p:spTree>
   </p:cSld>
 </p:sld>
@@ -4328,7 +4228,87 @@
             </a:pPr>
             <a:r>
               <a:rPr/>
-              <a:t>Energy AI Task LLM Explanations</a:t>
+              <a:t>Energy AI Tasks</a:t>
+            </a:r>
+          </a:p>
+        </p:txBody>
+      </p:sp>
+      <p:sp>
+        <p:nvSpPr>
+          <p:cNvPr id="3" name="Content Placeholder 2"/>
+          <p:cNvSpPr>
+            <a:spLocks noGrp="1"/>
+          </p:cNvSpPr>
+          <p:nvPr>
+            <p:ph idx="1"/>
+          </p:nvPr>
+        </p:nvSpPr>
+        <p:spPr/>
+        <p:txBody>
+          <a:bodyPr/>
+          <a:lstStyle/>
+          <a:p>
+            <a:pPr lvl="0" indent="0" marL="0">
+              <a:buNone/>
+            </a:pPr>
+          </a:p>
+          <a:p>
+            <a:pPr lvl="0" indent="0" marL="0">
+              <a:spcBef>
+                <a:spcPts val="3000"/>
+              </a:spcBef>
+              <a:buNone/>
+            </a:pPr>
+            <a:r>
+              <a:rPr b="1"/>
+              <a:t>Task from Attari et al. (2010)</a:t>
+            </a:r>
+          </a:p>
+          <a:p>
+            <a:pPr lvl="0"/>
+            <a:r>
+              <a:rPr/>
+              <a:t>Estimate energy of each item</a:t>
+            </a:r>
+          </a:p>
+          <a:p>
+            <a:pPr lvl="0"/>
+            <a:r>
+              <a:rPr/>
+              <a:t>No AI Assistance</a:t>
+            </a:r>
+          </a:p>
+          <a:p>
+            <a:pPr lvl="0" indent="0" marL="0">
+              <a:spcBef>
+                <a:spcPts val="3000"/>
+              </a:spcBef>
+              <a:buNone/>
+            </a:pPr>
+            <a:r>
+              <a:rPr b="1"/>
+              <a:t>Procedure choices</a:t>
+            </a:r>
+          </a:p>
+          <a:p>
+            <a:pPr lvl="0"/>
+            <a:r>
+              <a:rPr/>
+              <a:t>See all items at once, or one at a time</a:t>
+            </a:r>
+          </a:p>
+          <a:p>
+            <a:pPr lvl="0"/>
+            <a:r>
+              <a:rPr/>
+              <a:t>Anchor</a:t>
+            </a:r>
+          </a:p>
+          <a:p>
+            <a:pPr lvl="0"/>
+            <a:r>
+              <a:rPr/>
+              <a:t>Feedback</a:t>
             </a:r>
           </a:p>
         </p:txBody>
@@ -4375,7 +4355,7 @@
             </a:pPr>
             <a:r>
               <a:rPr/>
-              <a:t>References</a:t>
+              <a:t>Energy AI Tasks</a:t>
             </a:r>
           </a:p>
         </p:txBody>
@@ -4398,147 +4378,45 @@
             <a:pPr lvl="0" indent="0" marL="0">
               <a:buNone/>
             </a:pPr>
-            <a:r>
-              <a:rPr/>
-              <a:t>Attari, S. Z., DeKay, M. L., Davidson, C. I., &amp; Bruine De Bruin, W. (2010). Public perceptions of energy consumption and savings. </a:t>
-            </a:r>
-            <a:r>
-              <a:rPr i="1"/>
-              <a:t>Proceedings of the National Academy of Sciences</a:t>
-            </a:r>
-            <a:r>
-              <a:rPr/>
-              <a:t>, </a:t>
-            </a:r>
-            <a:r>
-              <a:rPr i="1"/>
-              <a:t>107</a:t>
-            </a:r>
-            <a:r>
-              <a:rPr/>
-              <a:t>(37), 16054–16059. </a:t>
-            </a:r>
-            <a:r>
-              <a:rPr>
-                <a:hlinkClick r:id="rId2"/>
-              </a:rPr>
-              <a:t>https://doi.org/10.1073/pnas.1001509107</a:t>
-            </a:r>
           </a:p>
           <a:p>
             <a:pPr lvl="0" indent="0" marL="0">
+              <a:spcBef>
+                <a:spcPts val="3000"/>
+              </a:spcBef>
               <a:buNone/>
             </a:pPr>
             <a:r>
-              <a:rPr/>
-              <a:t>Frederick, S. W., Meyer, A. B., &amp; Mochon, D. (2011). Characterizing perceptions of energy consumption. </a:t>
-            </a:r>
-            <a:r>
-              <a:rPr i="1"/>
-              <a:t>Proceedings of the National Academy of Sciences</a:t>
-            </a:r>
-            <a:r>
-              <a:rPr/>
-              <a:t>, </a:t>
-            </a:r>
-            <a:r>
-              <a:rPr i="1"/>
-              <a:t>108</a:t>
-            </a:r>
-            <a:r>
-              <a:rPr/>
-              <a:t>(8), E23–E23. </a:t>
-            </a:r>
-            <a:r>
-              <a:rPr>
-                <a:hlinkClick r:id="rId3"/>
-              </a:rPr>
-              <a:t>https://doi.org/10.1073/pnas.1014806108</a:t>
-            </a:r>
-          </a:p>
-          <a:p>
-            <a:pPr lvl="0" indent="0" marL="0">
-              <a:buNone/>
-            </a:pPr>
-            <a:r>
-              <a:rPr/>
-              <a:t>Kantenbacher, J., &amp; Attari, S. Z. (2021). Better rules for judging joules: Exploring how experts make decisions about household energy use. </a:t>
-            </a:r>
-            <a:r>
-              <a:rPr i="1"/>
-              <a:t>Energy Research &amp; Social Science</a:t>
-            </a:r>
-            <a:r>
-              <a:rPr/>
-              <a:t>, </a:t>
-            </a:r>
-            <a:r>
-              <a:rPr i="1"/>
-              <a:t>73</a:t>
-            </a:r>
-            <a:r>
-              <a:rPr/>
-              <a:t>, 101911. </a:t>
-            </a:r>
-            <a:r>
-              <a:rPr>
-                <a:hlinkClick r:id="rId4"/>
-              </a:rPr>
-              <a:t>https://doi.org/10.1016/j.erss.2021.101911</a:t>
-            </a:r>
-          </a:p>
-          <a:p>
-            <a:pPr lvl="0" indent="0" marL="0">
-              <a:buNone/>
-            </a:pPr>
-            <a:r>
-              <a:rPr/>
-              <a:t>Schille-Hudson, E. B., Margehtis, T., Miniard, D., Landy, D., &amp; Attari, S. Z. (2019). Big, hot, or bright? Integrating cues to perceive home energy use. </a:t>
-            </a:r>
-            <a:r>
-              <a:rPr i="1"/>
-              <a:t>Proceedings of the Annual Meeting of the Cognitive Science Society</a:t>
-            </a:r>
-            <a:r>
-              <a:rPr/>
-              <a:t>, </a:t>
-            </a:r>
-            <a:r>
-              <a:rPr i="1"/>
-              <a:t>41</a:t>
-            </a:r>
-            <a:r>
-              <a:rPr/>
-              <a:t>. </a:t>
-            </a:r>
-            <a:r>
-              <a:rPr>
-                <a:hlinkClick r:id="rId5"/>
-              </a:rPr>
-              <a:t>https://escholarship.org/uc/item/83z4w09n</a:t>
-            </a:r>
-          </a:p>
-          <a:p>
-            <a:pPr lvl="0" indent="0" marL="0">
-              <a:buNone/>
-            </a:pPr>
-            <a:r>
-              <a:rPr/>
-              <a:t>Steyvers, M., Tejeda, H., Kumar, A., Belem, C., Karny, S., Hu, X., Mayer, L., &amp; Smyth, P. (2025). What large language models know and what people think they know. </a:t>
-            </a:r>
-            <a:r>
-              <a:rPr i="1"/>
-              <a:t>Nature Machine Intelligence</a:t>
-            </a:r>
-            <a:r>
-              <a:rPr/>
-              <a:t>, 1–11. </a:t>
-            </a:r>
-            <a:r>
-              <a:rPr>
-                <a:hlinkClick r:id="rId6"/>
-              </a:rPr>
-              <a:t>https://doi.org/10.1038/s42256-024-00976-7</a:t>
+              <a:rPr b="1"/>
+              <a:t>Procedure choices</a:t>
+            </a:r>
+          </a:p>
+          <a:p>
+            <a:pPr lvl="0"/>
+            <a:r>
+              <a:rPr/>
+              <a:t>AI Portrayal</a:t>
+            </a:r>
+          </a:p>
+          <a:p>
+            <a:pPr lvl="1"/>
+            <a:r>
+              <a:rPr/>
+              <a:t>Energy Advisor?</a:t>
+            </a:r>
+          </a:p>
+          <a:p>
+            <a:pPr lvl="1"/>
+            <a:r>
+              <a:rPr/>
+              <a:t>ChatGPT response?</a:t>
+            </a:r>
+          </a:p>
+          <a:p>
+            <a:pPr lvl="1"/>
+            <a:r>
+              <a:rPr/>
+              <a:t>Another human participant?</a:t>
             </a:r>
           </a:p>
         </p:txBody>
@@ -4607,17 +4485,468 @@
             </a:pPr>
             <a:r>
               <a:rPr/>
-              <a:t>extra</a:t>
-            </a:r>
-          </a:p>
-        </p:txBody>
-      </p:sp>
+              <a:t>Energy AI Tasks</a:t>
+            </a:r>
+          </a:p>
+        </p:txBody>
+      </p:sp>
+      <p:pic>
+        <p:nvPicPr>
+          <p:cNvPr descr="image/my_fc1.png" id="0" name="Picture 1"/>
+          <p:cNvPicPr>
+            <a:picLocks noGrp="1" noChangeAspect="1"/>
+          </p:cNvPicPr>
+          <p:nvPr/>
+        </p:nvPicPr>
+        <p:blipFill>
+          <a:blip r:embed="rId2"/>
+          <a:stretch>
+            <a:fillRect/>
+          </a:stretch>
+        </p:blipFill>
+        <p:spPr bwMode="auto">
+          <a:xfrm>
+            <a:off x="457200" y="1600200"/>
+            <a:ext cx="8229600" cy="2590800"/>
+          </a:xfrm>
+          <a:prstGeom prst="rect">
+            <a:avLst/>
+          </a:prstGeom>
+          <a:noFill/>
+          <a:ln w="9525">
+            <a:noFill/>
+            <a:headEnd/>
+            <a:tailEnd/>
+          </a:ln>
+        </p:spPr>
+      </p:pic>
     </p:spTree>
   </p:cSld>
 </p:sld>
 </file>
 
 <file path=ppt/slides/slide21.xml><?xml version="1.0" encoding="utf-8"?>
+<p:sld xmlns:a="http://schemas.openxmlformats.org/drawingml/2006/main" xmlns:r="http://schemas.openxmlformats.org/officeDocument/2006/relationships" xmlns:p="http://schemas.openxmlformats.org/presentationml/2006/main">
+  <p:cSld>
+    <p:spTree>
+      <p:nvGrpSpPr>
+        <p:cNvPr id="1" name=""/>
+        <p:cNvGrpSpPr/>
+        <p:nvPr/>
+      </p:nvGrpSpPr>
+      <p:grpSpPr>
+        <a:xfrm>
+          <a:off x="0" y="0"/>
+          <a:ext cx="0" cy="0"/>
+          <a:chOff x="0" y="0"/>
+          <a:chExt cx="0" cy="0"/>
+        </a:xfrm>
+      </p:grpSpPr>
+      <p:sp>
+        <p:nvSpPr>
+          <p:cNvPr id="2" name="Title 1"/>
+          <p:cNvSpPr>
+            <a:spLocks noGrp="1"/>
+          </p:cNvSpPr>
+          <p:nvPr>
+            <p:ph type="title"/>
+          </p:nvPr>
+        </p:nvSpPr>
+        <p:spPr/>
+        <p:txBody>
+          <a:bodyPr/>
+          <a:lstStyle/>
+          <a:p>
+            <a:pPr lvl="0" indent="0" marL="0">
+              <a:buNone/>
+            </a:pPr>
+            <a:r>
+              <a:rPr/>
+              <a:t>Energy AI Task LLM Explanations</a:t>
+            </a:r>
+          </a:p>
+        </p:txBody>
+      </p:sp>
+      <p:pic>
+        <p:nvPicPr>
+          <p:cNvPr descr="image/med_conf_ex.png" id="0" name="Picture 1"/>
+          <p:cNvPicPr>
+            <a:picLocks noGrp="1" noChangeAspect="1"/>
+          </p:cNvPicPr>
+          <p:nvPr/>
+        </p:nvPicPr>
+        <p:blipFill>
+          <a:blip r:embed="rId2"/>
+          <a:stretch>
+            <a:fillRect/>
+          </a:stretch>
+        </p:blipFill>
+        <p:spPr bwMode="auto">
+          <a:xfrm>
+            <a:off x="622300" y="1193800"/>
+            <a:ext cx="7886700" cy="3390900"/>
+          </a:xfrm>
+          <a:prstGeom prst="rect">
+            <a:avLst/>
+          </a:prstGeom>
+          <a:noFill/>
+          <a:ln w="9525">
+            <a:noFill/>
+            <a:headEnd/>
+            <a:tailEnd/>
+          </a:ln>
+        </p:spPr>
+      </p:pic>
+    </p:spTree>
+  </p:cSld>
+</p:sld>
+</file>
+
+<file path=ppt/slides/slide22.xml><?xml version="1.0" encoding="utf-8"?>
+<p:sld xmlns:a="http://schemas.openxmlformats.org/drawingml/2006/main" xmlns:r="http://schemas.openxmlformats.org/officeDocument/2006/relationships" xmlns:p="http://schemas.openxmlformats.org/presentationml/2006/main">
+  <p:cSld>
+    <p:spTree>
+      <p:nvGrpSpPr>
+        <p:cNvPr id="1" name=""/>
+        <p:cNvGrpSpPr/>
+        <p:nvPr/>
+      </p:nvGrpSpPr>
+      <p:grpSpPr>
+        <a:xfrm>
+          <a:off x="0" y="0"/>
+          <a:ext cx="0" cy="0"/>
+          <a:chOff x="0" y="0"/>
+          <a:chExt cx="0" cy="0"/>
+        </a:xfrm>
+      </p:grpSpPr>
+      <p:sp>
+        <p:nvSpPr>
+          <p:cNvPr id="2" name="Title 1"/>
+          <p:cNvSpPr>
+            <a:spLocks noGrp="1"/>
+          </p:cNvSpPr>
+          <p:nvPr>
+            <p:ph type="title"/>
+          </p:nvPr>
+        </p:nvSpPr>
+        <p:spPr/>
+        <p:txBody>
+          <a:bodyPr/>
+          <a:lstStyle/>
+          <a:p>
+            <a:pPr lvl="0" indent="0" marL="0">
+              <a:buNone/>
+            </a:pPr>
+            <a:r>
+              <a:rPr/>
+              <a:t>Energy AI Task LLM Explanations</a:t>
+            </a:r>
+          </a:p>
+        </p:txBody>
+      </p:sp>
+    </p:spTree>
+  </p:cSld>
+</p:sld>
+</file>
+
+<file path=ppt/slides/slide23.xml><?xml version="1.0" encoding="utf-8"?>
+<p:sld xmlns:a="http://schemas.openxmlformats.org/drawingml/2006/main" xmlns:r="http://schemas.openxmlformats.org/officeDocument/2006/relationships" xmlns:p="http://schemas.openxmlformats.org/presentationml/2006/main">
+  <p:cSld>
+    <p:spTree>
+      <p:nvGrpSpPr>
+        <p:cNvPr id="1" name=""/>
+        <p:cNvGrpSpPr/>
+        <p:nvPr/>
+      </p:nvGrpSpPr>
+      <p:grpSpPr>
+        <a:xfrm>
+          <a:off x="0" y="0"/>
+          <a:ext cx="0" cy="0"/>
+          <a:chOff x="0" y="0"/>
+          <a:chExt cx="0" cy="0"/>
+        </a:xfrm>
+      </p:grpSpPr>
+      <p:sp>
+        <p:nvSpPr>
+          <p:cNvPr id="2" name="Title 1"/>
+          <p:cNvSpPr>
+            <a:spLocks noGrp="1"/>
+          </p:cNvSpPr>
+          <p:nvPr>
+            <p:ph type="title"/>
+          </p:nvPr>
+        </p:nvSpPr>
+        <p:spPr/>
+        <p:txBody>
+          <a:bodyPr/>
+          <a:lstStyle/>
+          <a:p>
+            <a:pPr lvl="0" indent="0" marL="0">
+              <a:buNone/>
+            </a:pPr>
+            <a:r>
+              <a:rPr/>
+              <a:t>References</a:t>
+            </a:r>
+          </a:p>
+        </p:txBody>
+      </p:sp>
+      <p:sp>
+        <p:nvSpPr>
+          <p:cNvPr id="3" name="Content Placeholder 2"/>
+          <p:cNvSpPr>
+            <a:spLocks noGrp="1"/>
+          </p:cNvSpPr>
+          <p:nvPr>
+            <p:ph idx="1"/>
+          </p:nvPr>
+        </p:nvSpPr>
+        <p:spPr/>
+        <p:txBody>
+          <a:bodyPr/>
+          <a:lstStyle/>
+          <a:p>
+            <a:pPr lvl="0" indent="0" marL="0">
+              <a:buNone/>
+            </a:pPr>
+            <a:r>
+              <a:rPr/>
+              <a:t>Attari, S. Z., DeKay, M. L., Davidson, C. I., &amp; Bruine De Bruin, W. (2010). Public perceptions of energy consumption and savings. </a:t>
+            </a:r>
+            <a:r>
+              <a:rPr i="1"/>
+              <a:t>Proceedings of the National Academy of Sciences</a:t>
+            </a:r>
+            <a:r>
+              <a:rPr/>
+              <a:t>, </a:t>
+            </a:r>
+            <a:r>
+              <a:rPr i="1"/>
+              <a:t>107</a:t>
+            </a:r>
+            <a:r>
+              <a:rPr/>
+              <a:t>(37), 16054–16059. </a:t>
+            </a:r>
+            <a:r>
+              <a:rPr>
+                <a:hlinkClick r:id="rId2"/>
+              </a:rPr>
+              <a:t>https://doi.org/10.1073/pnas.1001509107</a:t>
+            </a:r>
+          </a:p>
+          <a:p>
+            <a:pPr lvl="0" indent="0" marL="0">
+              <a:buNone/>
+            </a:pPr>
+            <a:r>
+              <a:rPr/>
+              <a:t>Belem, C. G., Kelly, M., Steyvers, M., Singh, S., &amp; Smyth, P. (2024). </a:t>
+            </a:r>
+            <a:r>
+              <a:rPr i="1"/>
+              <a:t>Perceptions of Linguistic Uncertainty by Language Models and Humans</a:t>
+            </a:r>
+            <a:r>
+              <a:rPr/>
+              <a:t> (arXiv:2407.15814). arXiv. </a:t>
+            </a:r>
+            <a:r>
+              <a:rPr>
+                <a:hlinkClick r:id="rId3"/>
+              </a:rPr>
+              <a:t>https://arxiv.org/abs/2407.15814</a:t>
+            </a:r>
+          </a:p>
+          <a:p>
+            <a:pPr lvl="0" indent="0" marL="0">
+              <a:buNone/>
+            </a:pPr>
+            <a:r>
+              <a:rPr/>
+              <a:t>Frederick, S. W., Meyer, A. B., &amp; Mochon, D. (2011). Characterizing perceptions of energy consumption. </a:t>
+            </a:r>
+            <a:r>
+              <a:rPr i="1"/>
+              <a:t>Proceedings of the National Academy of Sciences</a:t>
+            </a:r>
+            <a:r>
+              <a:rPr/>
+              <a:t>, </a:t>
+            </a:r>
+            <a:r>
+              <a:rPr i="1"/>
+              <a:t>108</a:t>
+            </a:r>
+            <a:r>
+              <a:rPr/>
+              <a:t>(8), E23–E23. </a:t>
+            </a:r>
+            <a:r>
+              <a:rPr>
+                <a:hlinkClick r:id="rId4"/>
+              </a:rPr>
+              <a:t>https://doi.org/10.1073/pnas.1014806108</a:t>
+            </a:r>
+          </a:p>
+          <a:p>
+            <a:pPr lvl="0" indent="0" marL="0">
+              <a:buNone/>
+            </a:pPr>
+            <a:r>
+              <a:rPr/>
+              <a:t>Kantenbacher, J., &amp; Attari, S. Z. (2021). Better rules for judging joules: Exploring how experts make decisions about household energy use. </a:t>
+            </a:r>
+            <a:r>
+              <a:rPr i="1"/>
+              <a:t>Energy Research &amp; Social Science</a:t>
+            </a:r>
+            <a:r>
+              <a:rPr/>
+              <a:t>, </a:t>
+            </a:r>
+            <a:r>
+              <a:rPr i="1"/>
+              <a:t>73</a:t>
+            </a:r>
+            <a:r>
+              <a:rPr/>
+              <a:t>, 101911. </a:t>
+            </a:r>
+            <a:r>
+              <a:rPr>
+                <a:hlinkClick r:id="rId5"/>
+              </a:rPr>
+              <a:t>https://doi.org/10.1016/j.erss.2021.101911</a:t>
+            </a:r>
+          </a:p>
+          <a:p>
+            <a:pPr lvl="0" indent="0" marL="0">
+              <a:buNone/>
+            </a:pPr>
+            <a:r>
+              <a:rPr/>
+              <a:t>Schille-Hudson, E. B., Margehtis, T., Miniard, D., Landy, D., &amp; Attari, S. Z. (2019). Big, hot, or bright? Integrating cues to perceive home energy use. </a:t>
+            </a:r>
+            <a:r>
+              <a:rPr i="1"/>
+              <a:t>Proceedings of the Annual Meeting of the Cognitive Science Society</a:t>
+            </a:r>
+            <a:r>
+              <a:rPr/>
+              <a:t>, </a:t>
+            </a:r>
+            <a:r>
+              <a:rPr i="1"/>
+              <a:t>41</a:t>
+            </a:r>
+            <a:r>
+              <a:rPr/>
+              <a:t>.</a:t>
+            </a:r>
+          </a:p>
+          <a:p>
+            <a:pPr lvl="0" indent="0" marL="0">
+              <a:buNone/>
+            </a:pPr>
+            <a:r>
+              <a:rPr/>
+              <a:t>Steyvers, M., &amp; Peters, M. A. K. (2025). </a:t>
+            </a:r>
+            <a:r>
+              <a:rPr i="1"/>
+              <a:t>Metacognition and Uncertainty Communication in Humans and Large Language Models</a:t>
+            </a:r>
+            <a:r>
+              <a:rPr/>
+              <a:t> (arXiv:2504.14045). arXiv. </a:t>
+            </a:r>
+            <a:r>
+              <a:rPr>
+                <a:hlinkClick r:id="rId6"/>
+              </a:rPr>
+              <a:t>https://doi.org/10.48550/arXiv.2504.14045</a:t>
+            </a:r>
+          </a:p>
+          <a:p>
+            <a:pPr lvl="0" indent="0" marL="0">
+              <a:buNone/>
+            </a:pPr>
+            <a:r>
+              <a:rPr/>
+              <a:t>Steyvers, M., Tejeda, H., Kumar, A., Belem, C., Karny, S., Hu, X., Mayer, L., &amp; Smyth, P. (2025). What large language models know and what people think they know. </a:t>
+            </a:r>
+            <a:r>
+              <a:rPr i="1"/>
+              <a:t>Nature Machine Intelligence</a:t>
+            </a:r>
+            <a:r>
+              <a:rPr/>
+              <a:t>, 1–11. </a:t>
+            </a:r>
+            <a:r>
+              <a:rPr>
+                <a:hlinkClick r:id="rId7"/>
+              </a:rPr>
+              <a:t>https://doi.org/10.1038/s42256-024-00976-7</a:t>
+            </a:r>
+          </a:p>
+        </p:txBody>
+      </p:sp>
+    </p:spTree>
+  </p:cSld>
+</p:sld>
+</file>
+
+<file path=ppt/slides/slide24.xml><?xml version="1.0" encoding="utf-8"?>
+<p:sld xmlns:a="http://schemas.openxmlformats.org/drawingml/2006/main" xmlns:r="http://schemas.openxmlformats.org/officeDocument/2006/relationships" xmlns:p="http://schemas.openxmlformats.org/presentationml/2006/main">
+  <p:cSld>
+    <p:spTree>
+      <p:nvGrpSpPr>
+        <p:cNvPr id="1" name=""/>
+        <p:cNvGrpSpPr/>
+        <p:nvPr/>
+      </p:nvGrpSpPr>
+      <p:grpSpPr>
+        <a:xfrm>
+          <a:off x="0" y="0"/>
+          <a:ext cx="0" cy="0"/>
+          <a:chOff x="0" y="0"/>
+          <a:chExt cx="0" cy="0"/>
+        </a:xfrm>
+      </p:grpSpPr>
+      <p:sp>
+        <p:nvSpPr>
+          <p:cNvPr id="2" name="Title 1"/>
+          <p:cNvSpPr>
+            <a:spLocks noGrp="1"/>
+          </p:cNvSpPr>
+          <p:nvPr>
+            <p:ph type="title"/>
+          </p:nvPr>
+        </p:nvSpPr>
+        <p:spPr/>
+        <p:txBody>
+          <a:bodyPr/>
+          <a:lstStyle/>
+          <a:p>
+            <a:pPr lvl="0" indent="0" marL="0">
+              <a:buNone/>
+            </a:pPr>
+            <a:r>
+              <a:rPr/>
+              <a:t>extra</a:t>
+            </a:r>
+          </a:p>
+        </p:txBody>
+      </p:sp>
+    </p:spTree>
+  </p:cSld>
+</p:sld>
+</file>
+
+<file path=ppt/slides/slide25.xml><?xml version="1.0" encoding="utf-8"?>
 <p:sld xmlns:a="http://schemas.openxmlformats.org/drawingml/2006/main" xmlns:r="http://schemas.openxmlformats.org/officeDocument/2006/relationships" xmlns:p="http://schemas.openxmlformats.org/presentationml/2006/main">
   <p:cSld>
     <p:spTree>
